--- a/test/bin/PPSimpleShapes.pptx
+++ b/test/bin/PPSimpleShapes.pptx
@@ -3830,47 +3830,7 @@
       </p:grpSpPr>
       <p:sp>
         <p:nvSpPr>
-          <p:cNvPr id="1" name="Title 1"/>
-          <p:cNvSpPr>
-            <a:spLocks noGrp="1"/>
-          </p:cNvSpPr>
-          <p:nvPr>
-            <p:ph type="title"/>
-          </p:nvPr>
-        </p:nvSpPr>
-        <p:spPr>
-          <a:xfrm>
-            <a:off x="0" y="0"/>
-            <a:ext cx="9164800" cy="1152000"/>
-          </a:xfrm>
-        </p:spPr>
-        <p:txBody>
-          <a:bodyPr/>
-          <a:lstStyle/>
-          <a:p>
-            <a:r>
-              <a:rPr lang="en-US" sz="4000" dirty="0" smtClean="0">
-                <a:solidFill>
-                  <a:srgbClr val="FF0000"/>
-                </a:solidFill>
-                <a:latin typeface="Times New Roman"/>
-                <a:cs typeface="Times New Roman"/>
-              </a:rPr>
-              <a:t>Simple Shapes</a:t>
-            </a:r>
-            <a:endParaRPr lang="en-US" sz="4000" dirty="0">
-              <a:solidFill>
-                <a:srgbClr val="FF0000"/>
-              </a:solidFill>
-              <a:latin typeface="Times New Roman"/>
-              <a:cs typeface="Times New Roman"/>
-            </a:endParaRPr>
-          </a:p>
-        </p:txBody>
-      </p:sp>
-      <p:sp>
-        <p:nvSpPr>
-          <p:cNvPr id="2" name="PPRect#2"/>
+          <p:cNvPr id="1" name="PPRect#1"/>
           <p:cNvSpPr/>
           <p:nvPr/>
         </p:nvSpPr>
@@ -3883,11 +3843,11 @@
             <a:avLst/>
           </a:prstGeom>
           <a:solidFill>
-            <a:srgbClr val="FF0000"/>
+            <a:srgbClr val="000000"/>
           </a:solidFill>
           <a:ln w="12800" cap="flat" cmpd="sng" algn="ctr">
             <a:solidFill>
-              <a:srgbClr val="FF0000"/>
+              <a:srgbClr val="000000"/>
             </a:solidFill>
             <a:prstDash val="solid"/>
             <a:round/>
@@ -3938,24 +3898,24 @@
       </p:sp>
       <p:sp>
         <p:nvSpPr>
-          <p:cNvPr id="3" name="PPOval#3"/>
+          <p:cNvPr id="2" name="PPOval#2"/>
           <p:cNvSpPr/>
           <p:nvPr/>
         </p:nvSpPr>
         <p:spPr bwMode="auto">
           <a:xfrm>
-            <a:off x="3302400" y="2156800"/>
+            <a:off x="960000" y="960000"/>
             <a:ext cx="2560000" cy="2560000"/>
           </a:xfrm>
           <a:prstGeom prst="ellipse">
             <a:avLst/>
           </a:prstGeom>
           <a:solidFill>
-            <a:srgbClr val="00FF00"/>
+            <a:srgbClr val="FF0000"/>
           </a:solidFill>
           <a:ln w="12800" cap="flat" cmpd="sng" algn="ctr">
             <a:solidFill>
-              <a:srgbClr val="00FF00"/>
+              <a:srgbClr val="FF0000"/>
             </a:solidFill>
             <a:prstDash val="solid"/>
             <a:round/>
@@ -4031,7 +3991,7 @@
                             </p:stCondLst>
                             <p:childTnLst>
                               <p:par>
-                                <p:cTn id="6" presetID="1" presetClass="entr" presetSubtype="0" fill="hold" grpId="1" nodeType="clickEffect">
+                                <p:cTn id="6" presetID="1" presetClass="exit" presetSubtype="0" fill="hold" grpId="1" nodeType="clickEffect">
                                   <p:stCondLst>
                                     <p:cond delay="0"/>
                                   </p:stCondLst>
@@ -4044,14 +4004,14 @@
                                           </p:stCondLst>
                                         </p:cTn>
                                         <p:tgtEl>
-                                          <p:spTgt spid="3"/>
+                                          <p:spTgt spid="1"/>
                                         </p:tgtEl>
                                         <p:attrNameLst>
                                           <p:attrName>style.visibility</p:attrName>
                                         </p:attrNameLst>
                                       </p:cBhvr>
                                       <p:to>
-                                        <p:strVal val="visible"/>
+                                        <p:strVal val="hidden"/>
                                       </p:to>
                                     </p:set>
                                   </p:childTnLst>
@@ -4076,7 +4036,7 @@
                             </p:stCondLst>
                             <p:childTnLst>
                               <p:par>
-                                <p:cTn id="10" presetID="1" presetClass="exit" presetSubtype="0" fill="hold" grpId="2" nodeType="clickEffect">
+                                <p:cTn id="10" presetID="1" presetClass="entr" presetSubtype="0" fill="hold" grpId="2" nodeType="clickEffect">
                                   <p:stCondLst>
                                     <p:cond delay="0"/>
                                   </p:stCondLst>
@@ -4096,7 +4056,7 @@
                                         </p:attrNameLst>
                                       </p:cBhvr>
                                       <p:to>
-                                        <p:strVal val="hidden"/>
+                                        <p:strVal val="visible"/>
                                       </p:to>
                                     </p:set>
                                   </p:childTnLst>
@@ -4130,7 +4090,7 @@
       </p:par>
     </p:tnLst>
     <p:bldLst>
-      <p:bldP spid="3" grpId="3" animBg="1"/>
+      <p:bldP spid="1" grpId="3" animBg="1"/>
       <p:bldP spid="2" grpId="4" animBg="1"/>
     </p:bldLst>
   </p:timing>
